--- a/tut2/tut2.pptx
+++ b/tut2/tut2.pptx
@@ -20,6 +20,9 @@
     <p:sldId id="270" r:id="rId14"/>
     <p:sldId id="271" r:id="rId15"/>
     <p:sldId id="272" r:id="rId16"/>
+    <p:sldId id="273" r:id="rId17"/>
+    <p:sldId id="274" r:id="rId18"/>
+    <p:sldId id="275" r:id="rId19"/>
   </p:sldIdLst>
   <p:sldSz cx="12192000" cy="6858000"/>
   <p:notesSz cx="6858000" cy="9144000"/>
@@ -118,6 +121,11 @@
       </a:defRPr>
     </a:lvl9pPr>
   </p:defaultTextStyle>
+  <p:extLst>
+    <p:ext uri="{EFAFB233-063F-42B5-8137-9DF3F51BA10A}">
+      <p15:sldGuideLst xmlns:p15="http://schemas.microsoft.com/office/powerpoint/2012/main"/>
+    </p:ext>
+  </p:extLst>
 </p:presentation>
 </file>
 
@@ -268,7 +276,7 @@
           <a:p>
             <a:fld id="{C1D21132-F3EC-1E4B-8318-128FB27F836B}" type="datetimeFigureOut">
               <a:rPr lang="en-US" smtClean="0"/>
-              <a:t>9/22/19</a:t>
+              <a:t>9/23/19</a:t>
             </a:fld>
             <a:endParaRPr lang="en-US"/>
           </a:p>
@@ -466,7 +474,7 @@
           <a:p>
             <a:fld id="{C1D21132-F3EC-1E4B-8318-128FB27F836B}" type="datetimeFigureOut">
               <a:rPr lang="en-US" smtClean="0"/>
-              <a:t>9/22/19</a:t>
+              <a:t>9/23/19</a:t>
             </a:fld>
             <a:endParaRPr lang="en-US"/>
           </a:p>
@@ -674,7 +682,7 @@
           <a:p>
             <a:fld id="{C1D21132-F3EC-1E4B-8318-128FB27F836B}" type="datetimeFigureOut">
               <a:rPr lang="en-US" smtClean="0"/>
-              <a:t>9/22/19</a:t>
+              <a:t>9/23/19</a:t>
             </a:fld>
             <a:endParaRPr lang="en-US"/>
           </a:p>
@@ -872,7 +880,7 @@
           <a:p>
             <a:fld id="{C1D21132-F3EC-1E4B-8318-128FB27F836B}" type="datetimeFigureOut">
               <a:rPr lang="en-US" smtClean="0"/>
-              <a:t>9/22/19</a:t>
+              <a:t>9/23/19</a:t>
             </a:fld>
             <a:endParaRPr lang="en-US"/>
           </a:p>
@@ -1147,7 +1155,7 @@
           <a:p>
             <a:fld id="{C1D21132-F3EC-1E4B-8318-128FB27F836B}" type="datetimeFigureOut">
               <a:rPr lang="en-US" smtClean="0"/>
-              <a:t>9/22/19</a:t>
+              <a:t>9/23/19</a:t>
             </a:fld>
             <a:endParaRPr lang="en-US"/>
           </a:p>
@@ -1412,7 +1420,7 @@
           <a:p>
             <a:fld id="{C1D21132-F3EC-1E4B-8318-128FB27F836B}" type="datetimeFigureOut">
               <a:rPr lang="en-US" smtClean="0"/>
-              <a:t>9/22/19</a:t>
+              <a:t>9/23/19</a:t>
             </a:fld>
             <a:endParaRPr lang="en-US"/>
           </a:p>
@@ -1824,7 +1832,7 @@
           <a:p>
             <a:fld id="{C1D21132-F3EC-1E4B-8318-128FB27F836B}" type="datetimeFigureOut">
               <a:rPr lang="en-US" smtClean="0"/>
-              <a:t>9/22/19</a:t>
+              <a:t>9/23/19</a:t>
             </a:fld>
             <a:endParaRPr lang="en-US"/>
           </a:p>
@@ -1965,7 +1973,7 @@
           <a:p>
             <a:fld id="{C1D21132-F3EC-1E4B-8318-128FB27F836B}" type="datetimeFigureOut">
               <a:rPr lang="en-US" smtClean="0"/>
-              <a:t>9/22/19</a:t>
+              <a:t>9/23/19</a:t>
             </a:fld>
             <a:endParaRPr lang="en-US"/>
           </a:p>
@@ -2078,7 +2086,7 @@
           <a:p>
             <a:fld id="{C1D21132-F3EC-1E4B-8318-128FB27F836B}" type="datetimeFigureOut">
               <a:rPr lang="en-US" smtClean="0"/>
-              <a:t>9/22/19</a:t>
+              <a:t>9/23/19</a:t>
             </a:fld>
             <a:endParaRPr lang="en-US"/>
           </a:p>
@@ -2389,7 +2397,7 @@
           <a:p>
             <a:fld id="{C1D21132-F3EC-1E4B-8318-128FB27F836B}" type="datetimeFigureOut">
               <a:rPr lang="en-US" smtClean="0"/>
-              <a:t>9/22/19</a:t>
+              <a:t>9/23/19</a:t>
             </a:fld>
             <a:endParaRPr lang="en-US"/>
           </a:p>
@@ -2677,7 +2685,7 @@
           <a:p>
             <a:fld id="{C1D21132-F3EC-1E4B-8318-128FB27F836B}" type="datetimeFigureOut">
               <a:rPr lang="en-US" smtClean="0"/>
-              <a:t>9/22/19</a:t>
+              <a:t>9/23/19</a:t>
             </a:fld>
             <a:endParaRPr lang="en-US"/>
           </a:p>
@@ -2918,7 +2926,7 @@
           <a:p>
             <a:fld id="{C1D21132-F3EC-1E4B-8318-128FB27F836B}" type="datetimeFigureOut">
               <a:rPr lang="en-US" smtClean="0"/>
-              <a:t>9/22/19</a:t>
+              <a:t>9/23/19</a:t>
             </a:fld>
             <a:endParaRPr lang="en-US"/>
           </a:p>
@@ -6558,6 +6566,523 @@
 </p:sld>
 </file>
 
+<file path=ppt/slides/slide16.xml><?xml version="1.0" encoding="utf-8"?>
+<p:sld xmlns:a="http://schemas.openxmlformats.org/drawingml/2006/main" xmlns:r="http://schemas.openxmlformats.org/officeDocument/2006/relationships" xmlns:p="http://schemas.openxmlformats.org/presentationml/2006/main">
+  <p:cSld>
+    <p:spTree>
+      <p:nvGrpSpPr>
+        <p:cNvPr id="1" name=""/>
+        <p:cNvGrpSpPr/>
+        <p:nvPr/>
+      </p:nvGrpSpPr>
+      <p:grpSpPr>
+        <a:xfrm>
+          <a:off x="0" y="0"/>
+          <a:ext cx="0" cy="0"/>
+          <a:chOff x="0" y="0"/>
+          <a:chExt cx="0" cy="0"/>
+        </a:xfrm>
+      </p:grpSpPr>
+      <p:sp>
+        <p:nvSpPr>
+          <p:cNvPr id="2" name="Title 1">
+            <a:extLst>
+              <a:ext uri="{FF2B5EF4-FFF2-40B4-BE49-F238E27FC236}">
+                <a16:creationId xmlns:a16="http://schemas.microsoft.com/office/drawing/2014/main" id="{F1E17856-6955-F444-BF05-64F9058B3ABF}"/>
+              </a:ext>
+            </a:extLst>
+          </p:cNvPr>
+          <p:cNvSpPr>
+            <a:spLocks noGrp="1"/>
+          </p:cNvSpPr>
+          <p:nvPr>
+            <p:ph type="title"/>
+          </p:nvPr>
+        </p:nvSpPr>
+        <p:spPr/>
+        <p:txBody>
+          <a:bodyPr/>
+          <a:lstStyle/>
+          <a:p>
+            <a:r>
+              <a:rPr lang="en-US" altLang="zh-CN" dirty="0"/>
+              <a:t>Practice</a:t>
+            </a:r>
+            <a:r>
+              <a:rPr lang="zh-CN" altLang="en-US" dirty="0"/>
+              <a:t> </a:t>
+            </a:r>
+            <a:r>
+              <a:rPr lang="en-US" altLang="zh-CN" dirty="0"/>
+              <a:t>(optional</a:t>
+            </a:r>
+            <a:r>
+              <a:rPr lang="zh-CN" altLang="en-US" dirty="0"/>
+              <a:t> </a:t>
+            </a:r>
+            <a:r>
+              <a:rPr lang="en-US" altLang="zh-CN" dirty="0"/>
+              <a:t>for</a:t>
+            </a:r>
+            <a:r>
+              <a:rPr lang="zh-CN" altLang="en-US" dirty="0"/>
+              <a:t> </a:t>
+            </a:r>
+            <a:r>
+              <a:rPr lang="en-US" altLang="zh-CN" dirty="0"/>
+              <a:t>this</a:t>
+            </a:r>
+            <a:r>
+              <a:rPr lang="zh-CN" altLang="en-US" dirty="0"/>
+              <a:t> </a:t>
+            </a:r>
+            <a:r>
+              <a:rPr lang="en-US" altLang="zh-CN" dirty="0"/>
+              <a:t>tutorial)</a:t>
+            </a:r>
+            <a:endParaRPr lang="en-US" dirty="0"/>
+          </a:p>
+        </p:txBody>
+      </p:sp>
+      <p:sp>
+        <p:nvSpPr>
+          <p:cNvPr id="4" name="TextBox 3">
+            <a:extLst>
+              <a:ext uri="{FF2B5EF4-FFF2-40B4-BE49-F238E27FC236}">
+                <a16:creationId xmlns:a16="http://schemas.microsoft.com/office/drawing/2014/main" id="{81956AFC-8D9D-0740-AE70-8DABB14156EF}"/>
+              </a:ext>
+            </a:extLst>
+          </p:cNvPr>
+          <p:cNvSpPr txBox="1"/>
+          <p:nvPr/>
+        </p:nvSpPr>
+        <p:spPr>
+          <a:xfrm>
+            <a:off x="1246908" y="5448041"/>
+            <a:ext cx="7930342" cy="646331"/>
+          </a:xfrm>
+          <a:prstGeom prst="rect">
+            <a:avLst/>
+          </a:prstGeom>
+          <a:noFill/>
+        </p:spPr>
+        <p:txBody>
+          <a:bodyPr wrap="square" rtlCol="0">
+            <a:spAutoFit/>
+          </a:bodyPr>
+          <a:lstStyle/>
+          <a:p>
+            <a:r>
+              <a:rPr lang="en-US" altLang="zh-CN" dirty="0"/>
+              <a:t>You</a:t>
+            </a:r>
+            <a:r>
+              <a:rPr lang="zh-CN" altLang="en-US" dirty="0"/>
+              <a:t> </a:t>
+            </a:r>
+            <a:r>
+              <a:rPr lang="en-US" altLang="zh-CN" dirty="0"/>
+              <a:t>can</a:t>
+            </a:r>
+            <a:r>
+              <a:rPr lang="zh-CN" altLang="en-US" dirty="0"/>
+              <a:t> </a:t>
+            </a:r>
+            <a:r>
+              <a:rPr lang="en-US" altLang="zh-CN" dirty="0"/>
+              <a:t>download</a:t>
+            </a:r>
+            <a:r>
+              <a:rPr lang="zh-CN" altLang="en-US" dirty="0"/>
+              <a:t> </a:t>
+            </a:r>
+            <a:r>
+              <a:rPr lang="en-US" altLang="zh-CN" dirty="0"/>
+              <a:t>the</a:t>
+            </a:r>
+            <a:r>
+              <a:rPr lang="zh-CN" altLang="en-US" dirty="0"/>
+              <a:t> </a:t>
+            </a:r>
+            <a:r>
+              <a:rPr lang="en-US" altLang="zh-CN" dirty="0"/>
+              <a:t>dataset</a:t>
+            </a:r>
+            <a:r>
+              <a:rPr lang="zh-CN" altLang="en-US" dirty="0"/>
+              <a:t> </a:t>
+            </a:r>
+            <a:r>
+              <a:rPr lang="en-US" altLang="zh-CN" dirty="0"/>
+              <a:t>and</a:t>
+            </a:r>
+            <a:r>
+              <a:rPr lang="zh-CN" altLang="en-US" dirty="0"/>
+              <a:t> </a:t>
+            </a:r>
+            <a:r>
+              <a:rPr lang="en-US" altLang="zh-CN" dirty="0"/>
+              <a:t>see</a:t>
+            </a:r>
+            <a:r>
+              <a:rPr lang="zh-CN" altLang="en-US" dirty="0"/>
+              <a:t> </a:t>
+            </a:r>
+            <a:r>
+              <a:rPr lang="en-US" altLang="zh-CN" dirty="0"/>
+              <a:t>the</a:t>
+            </a:r>
+            <a:r>
+              <a:rPr lang="zh-CN" altLang="en-US" dirty="0"/>
+              <a:t> </a:t>
+            </a:r>
+            <a:r>
+              <a:rPr lang="en-US" altLang="zh-CN" dirty="0"/>
+              <a:t>full</a:t>
+            </a:r>
+            <a:r>
+              <a:rPr lang="zh-CN" altLang="en-US" dirty="0"/>
+              <a:t> </a:t>
+            </a:r>
+            <a:r>
+              <a:rPr lang="en-US" altLang="zh-CN" dirty="0"/>
+              <a:t>code</a:t>
+            </a:r>
+            <a:r>
+              <a:rPr lang="zh-CN" altLang="en-US" dirty="0"/>
+              <a:t> </a:t>
+            </a:r>
+            <a:r>
+              <a:rPr lang="en-US" altLang="zh-CN" dirty="0"/>
+              <a:t>here:</a:t>
+            </a:r>
+            <a:r>
+              <a:rPr lang="zh-CN" altLang="en-US" dirty="0"/>
+              <a:t> </a:t>
+            </a:r>
+            <a:r>
+              <a:rPr lang="en-HK" dirty="0">
+                <a:hlinkClick r:id="rId2"/>
+              </a:rPr>
+              <a:t>https://www.kaggle.com/dmilla/introduction-to-decision-trees-titanic-dataset</a:t>
+            </a:r>
+            <a:endParaRPr lang="en-US" dirty="0"/>
+          </a:p>
+        </p:txBody>
+      </p:sp>
+      <p:sp>
+        <p:nvSpPr>
+          <p:cNvPr id="5" name="TextBox 4">
+            <a:extLst>
+              <a:ext uri="{FF2B5EF4-FFF2-40B4-BE49-F238E27FC236}">
+                <a16:creationId xmlns:a16="http://schemas.microsoft.com/office/drawing/2014/main" id="{564D718C-A951-0049-81A1-AF5EF65DCA86}"/>
+              </a:ext>
+            </a:extLst>
+          </p:cNvPr>
+          <p:cNvSpPr txBox="1"/>
+          <p:nvPr/>
+        </p:nvSpPr>
+        <p:spPr>
+          <a:xfrm>
+            <a:off x="1155469" y="1546167"/>
+            <a:ext cx="3125586" cy="369332"/>
+          </a:xfrm>
+          <a:prstGeom prst="rect">
+            <a:avLst/>
+          </a:prstGeom>
+          <a:noFill/>
+        </p:spPr>
+        <p:txBody>
+          <a:bodyPr wrap="square" rtlCol="0">
+            <a:spAutoFit/>
+          </a:bodyPr>
+          <a:lstStyle/>
+          <a:p>
+            <a:r>
+              <a:rPr lang="en-US" altLang="zh-CN" dirty="0"/>
+              <a:t>Kaggle</a:t>
+            </a:r>
+            <a:r>
+              <a:rPr lang="zh-CN" altLang="en-US" dirty="0"/>
+              <a:t> </a:t>
+            </a:r>
+            <a:r>
+              <a:rPr lang="en-US" altLang="zh-CN" dirty="0"/>
+              <a:t>Titanic</a:t>
+            </a:r>
+            <a:r>
+              <a:rPr lang="zh-CN" altLang="en-US" dirty="0"/>
+              <a:t> </a:t>
+            </a:r>
+            <a:r>
+              <a:rPr lang="en-US" altLang="zh-CN" dirty="0"/>
+              <a:t>competition</a:t>
+            </a:r>
+            <a:endParaRPr lang="en-US" dirty="0"/>
+          </a:p>
+        </p:txBody>
+      </p:sp>
+      <p:pic>
+        <p:nvPicPr>
+          <p:cNvPr id="7" name="Picture 6">
+            <a:extLst>
+              <a:ext uri="{FF2B5EF4-FFF2-40B4-BE49-F238E27FC236}">
+                <a16:creationId xmlns:a16="http://schemas.microsoft.com/office/drawing/2014/main" id="{0D8A7459-193E-374F-A301-9D3C6186AD96}"/>
+              </a:ext>
+            </a:extLst>
+          </p:cNvPr>
+          <p:cNvPicPr>
+            <a:picLocks noChangeAspect="1"/>
+          </p:cNvPicPr>
+          <p:nvPr/>
+        </p:nvPicPr>
+        <p:blipFill>
+          <a:blip r:embed="rId3"/>
+          <a:stretch>
+            <a:fillRect/>
+          </a:stretch>
+        </p:blipFill>
+        <p:spPr>
+          <a:xfrm>
+            <a:off x="2526954" y="2108052"/>
+            <a:ext cx="6242974" cy="2738743"/>
+          </a:xfrm>
+          <a:prstGeom prst="rect">
+            <a:avLst/>
+          </a:prstGeom>
+        </p:spPr>
+      </p:pic>
+    </p:spTree>
+    <p:extLst>
+      <p:ext uri="{BB962C8B-B14F-4D97-AF65-F5344CB8AC3E}">
+        <p14:creationId xmlns:p14="http://schemas.microsoft.com/office/powerpoint/2010/main" val="4155457206"/>
+      </p:ext>
+    </p:extLst>
+  </p:cSld>
+  <p:clrMapOvr>
+    <a:masterClrMapping/>
+  </p:clrMapOvr>
+</p:sld>
+</file>
+
+<file path=ppt/slides/slide17.xml><?xml version="1.0" encoding="utf-8"?>
+<p:sld xmlns:a="http://schemas.openxmlformats.org/drawingml/2006/main" xmlns:r="http://schemas.openxmlformats.org/officeDocument/2006/relationships" xmlns:p="http://schemas.openxmlformats.org/presentationml/2006/main">
+  <p:cSld>
+    <p:spTree>
+      <p:nvGrpSpPr>
+        <p:cNvPr id="1" name=""/>
+        <p:cNvGrpSpPr/>
+        <p:nvPr/>
+      </p:nvGrpSpPr>
+      <p:grpSpPr>
+        <a:xfrm>
+          <a:off x="0" y="0"/>
+          <a:ext cx="0" cy="0"/>
+          <a:chOff x="0" y="0"/>
+          <a:chExt cx="0" cy="0"/>
+        </a:xfrm>
+      </p:grpSpPr>
+      <p:sp>
+        <p:nvSpPr>
+          <p:cNvPr id="2" name="Title 1">
+            <a:extLst>
+              <a:ext uri="{FF2B5EF4-FFF2-40B4-BE49-F238E27FC236}">
+                <a16:creationId xmlns:a16="http://schemas.microsoft.com/office/drawing/2014/main" id="{9772243E-63A2-FA46-8993-4AADA041DB13}"/>
+              </a:ext>
+            </a:extLst>
+          </p:cNvPr>
+          <p:cNvSpPr>
+            <a:spLocks noGrp="1"/>
+          </p:cNvSpPr>
+          <p:nvPr>
+            <p:ph type="title"/>
+          </p:nvPr>
+        </p:nvSpPr>
+        <p:spPr/>
+        <p:txBody>
+          <a:bodyPr/>
+          <a:lstStyle/>
+          <a:p>
+            <a:r>
+              <a:rPr lang="en-US" altLang="zh-CN" dirty="0"/>
+              <a:t>Load</a:t>
+            </a:r>
+            <a:r>
+              <a:rPr lang="zh-CN" altLang="en-US" dirty="0"/>
+              <a:t> </a:t>
+            </a:r>
+            <a:r>
+              <a:rPr lang="en-US" altLang="zh-CN" dirty="0"/>
+              <a:t>data</a:t>
+            </a:r>
+            <a:endParaRPr lang="en-US" dirty="0"/>
+          </a:p>
+        </p:txBody>
+      </p:sp>
+      <p:pic>
+        <p:nvPicPr>
+          <p:cNvPr id="5" name="Picture 4">
+            <a:extLst>
+              <a:ext uri="{FF2B5EF4-FFF2-40B4-BE49-F238E27FC236}">
+                <a16:creationId xmlns:a16="http://schemas.microsoft.com/office/drawing/2014/main" id="{D109A8B8-2995-D142-A82A-6C80DEEE28AA}"/>
+              </a:ext>
+            </a:extLst>
+          </p:cNvPr>
+          <p:cNvPicPr>
+            <a:picLocks noChangeAspect="1"/>
+          </p:cNvPicPr>
+          <p:nvPr/>
+        </p:nvPicPr>
+        <p:blipFill>
+          <a:blip r:embed="rId2"/>
+          <a:stretch>
+            <a:fillRect/>
+          </a:stretch>
+        </p:blipFill>
+        <p:spPr>
+          <a:xfrm>
+            <a:off x="3618113" y="262243"/>
+            <a:ext cx="6914112" cy="6243340"/>
+          </a:xfrm>
+          <a:prstGeom prst="rect">
+            <a:avLst/>
+          </a:prstGeom>
+        </p:spPr>
+      </p:pic>
+    </p:spTree>
+    <p:extLst>
+      <p:ext uri="{BB962C8B-B14F-4D97-AF65-F5344CB8AC3E}">
+        <p14:creationId xmlns:p14="http://schemas.microsoft.com/office/powerpoint/2010/main" val="3902007045"/>
+      </p:ext>
+    </p:extLst>
+  </p:cSld>
+  <p:clrMapOvr>
+    <a:masterClrMapping/>
+  </p:clrMapOvr>
+</p:sld>
+</file>
+
+<file path=ppt/slides/slide18.xml><?xml version="1.0" encoding="utf-8"?>
+<p:sld xmlns:a="http://schemas.openxmlformats.org/drawingml/2006/main" xmlns:r="http://schemas.openxmlformats.org/officeDocument/2006/relationships" xmlns:p="http://schemas.openxmlformats.org/presentationml/2006/main">
+  <p:cSld>
+    <p:spTree>
+      <p:nvGrpSpPr>
+        <p:cNvPr id="1" name=""/>
+        <p:cNvGrpSpPr/>
+        <p:nvPr/>
+      </p:nvGrpSpPr>
+      <p:grpSpPr>
+        <a:xfrm>
+          <a:off x="0" y="0"/>
+          <a:ext cx="0" cy="0"/>
+          <a:chOff x="0" y="0"/>
+          <a:chExt cx="0" cy="0"/>
+        </a:xfrm>
+      </p:grpSpPr>
+      <p:sp>
+        <p:nvSpPr>
+          <p:cNvPr id="2" name="Title 1">
+            <a:extLst>
+              <a:ext uri="{FF2B5EF4-FFF2-40B4-BE49-F238E27FC236}">
+                <a16:creationId xmlns:a16="http://schemas.microsoft.com/office/drawing/2014/main" id="{94508444-A617-854F-A819-F075BC19B01A}"/>
+              </a:ext>
+            </a:extLst>
+          </p:cNvPr>
+          <p:cNvSpPr>
+            <a:spLocks noGrp="1"/>
+          </p:cNvSpPr>
+          <p:nvPr>
+            <p:ph type="title"/>
+          </p:nvPr>
+        </p:nvSpPr>
+        <p:spPr/>
+        <p:txBody>
+          <a:bodyPr/>
+          <a:lstStyle/>
+          <a:p>
+            <a:r>
+              <a:rPr lang="en-US" altLang="zh-CN" dirty="0"/>
+              <a:t>Get</a:t>
+            </a:r>
+            <a:r>
+              <a:rPr lang="zh-CN" altLang="en-US" dirty="0"/>
+              <a:t> </a:t>
+            </a:r>
+            <a:r>
+              <a:rPr lang="en-US" altLang="zh-CN" dirty="0"/>
+              <a:t>a</a:t>
+            </a:r>
+            <a:r>
+              <a:rPr lang="zh-CN" altLang="en-US" dirty="0"/>
+              <a:t> </a:t>
+            </a:r>
+            <a:r>
+              <a:rPr lang="en-US" altLang="zh-CN" dirty="0"/>
+              <a:t>decision</a:t>
+            </a:r>
+            <a:r>
+              <a:rPr lang="zh-CN" altLang="en-US" dirty="0"/>
+              <a:t> </a:t>
+            </a:r>
+            <a:r>
+              <a:rPr lang="en-US" altLang="zh-CN" dirty="0"/>
+              <a:t>tree</a:t>
+            </a:r>
+            <a:r>
+              <a:rPr lang="zh-CN" altLang="en-US" dirty="0"/>
+              <a:t> </a:t>
+            </a:r>
+            <a:r>
+              <a:rPr lang="en-US" altLang="zh-CN" dirty="0"/>
+              <a:t>model</a:t>
+            </a:r>
+            <a:endParaRPr lang="en-US" dirty="0"/>
+          </a:p>
+        </p:txBody>
+      </p:sp>
+      <p:pic>
+        <p:nvPicPr>
+          <p:cNvPr id="5" name="Picture 4">
+            <a:extLst>
+              <a:ext uri="{FF2B5EF4-FFF2-40B4-BE49-F238E27FC236}">
+                <a16:creationId xmlns:a16="http://schemas.microsoft.com/office/drawing/2014/main" id="{941A216A-6CAB-944A-86C5-634ED374AEFD}"/>
+              </a:ext>
+            </a:extLst>
+          </p:cNvPr>
+          <p:cNvPicPr>
+            <a:picLocks noChangeAspect="1"/>
+          </p:cNvPicPr>
+          <p:nvPr/>
+        </p:nvPicPr>
+        <p:blipFill>
+          <a:blip r:embed="rId2"/>
+          <a:stretch>
+            <a:fillRect/>
+          </a:stretch>
+        </p:blipFill>
+        <p:spPr>
+          <a:xfrm>
+            <a:off x="3158028" y="1562215"/>
+            <a:ext cx="5194300" cy="4864100"/>
+          </a:xfrm>
+          <a:prstGeom prst="rect">
+            <a:avLst/>
+          </a:prstGeom>
+        </p:spPr>
+      </p:pic>
+    </p:spTree>
+    <p:extLst>
+      <p:ext uri="{BB962C8B-B14F-4D97-AF65-F5344CB8AC3E}">
+        <p14:creationId xmlns:p14="http://schemas.microsoft.com/office/powerpoint/2010/main" val="1988398230"/>
+      </p:ext>
+    </p:extLst>
+  </p:cSld>
+  <p:clrMapOvr>
+    <a:masterClrMapping/>
+  </p:clrMapOvr>
+</p:sld>
+</file>
+
 <file path=ppt/slides/slide2.xml><?xml version="1.0" encoding="utf-8"?>
 <p:sld xmlns:a="http://schemas.openxmlformats.org/drawingml/2006/main" xmlns:r="http://schemas.openxmlformats.org/officeDocument/2006/relationships" xmlns:p="http://schemas.openxmlformats.org/presentationml/2006/main">
   <p:cSld>
